--- a/php/sql.ptt/08 儲存引擎.pptx
+++ b/php/sql.ptt/08 儲存引擎.pptx
@@ -8906,7 +8906,8 @@
           <a:p>
             <a:fld id="{6AD6EE87-EBD5-4F12-A48A-63ACA297AC8F}" type="datetimeFigureOut">
               <a:rPr lang="en-US" dirty="0"/>
-              <a:t>3/23/18</a:t>
+              <a:pPr/>
+              <a:t>5/5/2019</a:t>
             </a:fld>
             <a:endParaRPr lang="en-US" dirty="0"/>
           </a:p>
@@ -8948,6 +8949,7 @@
           <a:p>
             <a:fld id="{4FAB73BC-B049-4115-A692-8D63A059BFB8}" type="slidenum">
               <a:rPr lang="en-US" dirty="0"/>
+              <a:pPr/>
               <a:t>‹#›</a:t>
             </a:fld>
             <a:endParaRPr lang="en-US" dirty="0"/>
@@ -9108,7 +9110,8 @@
           <a:p>
             <a:fld id="{4CD73815-2707-4475-8F1A-B873CB631BB4}" type="datetimeFigureOut">
               <a:rPr lang="en-US" dirty="0"/>
-              <a:t>3/23/18</a:t>
+              <a:pPr/>
+              <a:t>5/5/2019</a:t>
             </a:fld>
             <a:endParaRPr lang="en-US" dirty="0"/>
           </a:p>
@@ -9150,6 +9153,7 @@
           <a:p>
             <a:fld id="{4FAB73BC-B049-4115-A692-8D63A059BFB8}" type="slidenum">
               <a:rPr lang="en-US" dirty="0"/>
+              <a:pPr/>
               <a:t>‹#›</a:t>
             </a:fld>
             <a:endParaRPr lang="en-US" dirty="0"/>
@@ -9283,7 +9287,8 @@
           <a:p>
             <a:fld id="{2A4AFB99-0EAB-4182-AFF8-E214C82A68F6}" type="datetimeFigureOut">
               <a:rPr lang="en-US" dirty="0"/>
-              <a:t>3/23/18</a:t>
+              <a:pPr/>
+              <a:t>5/5/2019</a:t>
             </a:fld>
             <a:endParaRPr lang="en-US" dirty="0"/>
           </a:p>
@@ -9325,6 +9330,7 @@
           <a:p>
             <a:fld id="{4FAB73BC-B049-4115-A692-8D63A059BFB8}" type="slidenum">
               <a:rPr lang="en-US" dirty="0"/>
+              <a:pPr/>
               <a:t>‹#›</a:t>
             </a:fld>
             <a:endParaRPr lang="en-US" dirty="0"/>
@@ -9483,7 +9489,8 @@
           <a:p>
             <a:fld id="{A5D3794B-289A-4A80-97D7-111025398D45}" type="datetimeFigureOut">
               <a:rPr lang="en-US" dirty="0"/>
-              <a:t>3/23/18</a:t>
+              <a:pPr/>
+              <a:t>5/5/2019</a:t>
             </a:fld>
             <a:endParaRPr lang="en-US" dirty="0"/>
           </a:p>
@@ -9525,6 +9532,7 @@
           <a:p>
             <a:fld id="{4FAB73BC-B049-4115-A692-8D63A059BFB8}" type="slidenum">
               <a:rPr lang="en-US" dirty="0"/>
+              <a:pPr/>
               <a:t>‹#›</a:t>
             </a:fld>
             <a:endParaRPr lang="en-US" dirty="0"/>
@@ -18376,7 +18384,8 @@
           <a:p>
             <a:fld id="{5A61015F-7CC6-4D0A-9D87-873EA4C304CC}" type="datetimeFigureOut">
               <a:rPr lang="en-US" dirty="0"/>
-              <a:t>3/23/18</a:t>
+              <a:pPr/>
+              <a:t>5/5/2019</a:t>
             </a:fld>
             <a:endParaRPr lang="en-US" dirty="0"/>
           </a:p>
@@ -18418,6 +18427,7 @@
           <a:p>
             <a:fld id="{4FAB73BC-B049-4115-A692-8D63A059BFB8}" type="slidenum">
               <a:rPr lang="en-US" dirty="0"/>
+              <a:pPr/>
               <a:t>‹#›</a:t>
             </a:fld>
             <a:endParaRPr lang="en-US" dirty="0"/>
@@ -18645,7 +18655,8 @@
           <a:p>
             <a:fld id="{93C6A301-0538-44EC-B09D-202E1042A48B}" type="datetimeFigureOut">
               <a:rPr lang="en-US" dirty="0"/>
-              <a:t>3/23/18</a:t>
+              <a:pPr/>
+              <a:t>5/5/2019</a:t>
             </a:fld>
             <a:endParaRPr lang="en-US" dirty="0"/>
           </a:p>
@@ -18687,6 +18698,7 @@
           <a:p>
             <a:fld id="{4FAB73BC-B049-4115-A692-8D63A059BFB8}" type="slidenum">
               <a:rPr lang="en-US" dirty="0"/>
+              <a:pPr/>
               <a:t>‹#›</a:t>
             </a:fld>
             <a:endParaRPr lang="en-US" dirty="0"/>
@@ -19038,7 +19050,8 @@
           <a:p>
             <a:fld id="{D789574A-8875-45EF-8EA2-3CAA0F7ABC4C}" type="datetimeFigureOut">
               <a:rPr lang="en-US" dirty="0"/>
-              <a:t>3/23/18</a:t>
+              <a:pPr/>
+              <a:t>5/5/2019</a:t>
             </a:fld>
             <a:endParaRPr lang="en-US" dirty="0"/>
           </a:p>
@@ -19080,6 +19093,7 @@
           <a:p>
             <a:fld id="{4FAB73BC-B049-4115-A692-8D63A059BFB8}" type="slidenum">
               <a:rPr lang="en-US" dirty="0"/>
+              <a:pPr/>
               <a:t>‹#›</a:t>
             </a:fld>
             <a:endParaRPr lang="en-US" dirty="0"/>
@@ -19151,7 +19165,8 @@
           <a:p>
             <a:fld id="{67EF4D4C-5367-4C26-9E2B-D8088D7FCA81}" type="datetimeFigureOut">
               <a:rPr lang="en-US" dirty="0"/>
-              <a:t>3/23/18</a:t>
+              <a:pPr/>
+              <a:t>5/5/2019</a:t>
             </a:fld>
             <a:endParaRPr lang="en-US" dirty="0"/>
           </a:p>
@@ -19193,6 +19208,7 @@
           <a:p>
             <a:fld id="{4FAB73BC-B049-4115-A692-8D63A059BFB8}" type="slidenum">
               <a:rPr lang="en-US" dirty="0"/>
+              <a:pPr/>
               <a:t>‹#›</a:t>
             </a:fld>
             <a:endParaRPr lang="en-US" dirty="0"/>
@@ -19241,7 +19257,8 @@
           <a:p>
             <a:fld id="{56E91E96-98B0-4413-9547-46F3504108EF}" type="datetimeFigureOut">
               <a:rPr lang="en-US" dirty="0"/>
-              <a:t>3/23/18</a:t>
+              <a:pPr/>
+              <a:t>5/5/2019</a:t>
             </a:fld>
             <a:endParaRPr lang="en-US" dirty="0"/>
           </a:p>
@@ -19283,6 +19300,7 @@
           <a:p>
             <a:fld id="{4FAB73BC-B049-4115-A692-8D63A059BFB8}" type="slidenum">
               <a:rPr lang="en-US" dirty="0"/>
+              <a:pPr/>
               <a:t>‹#›</a:t>
             </a:fld>
             <a:endParaRPr lang="en-US" dirty="0"/>
@@ -19526,7 +19544,8 @@
           <a:p>
             <a:fld id="{05C68B11-C5A8-448C-8CE9-B1A273C79CFC}" type="datetimeFigureOut">
               <a:rPr lang="en-US" dirty="0"/>
-              <a:t>3/23/18</a:t>
+              <a:pPr/>
+              <a:t>5/5/2019</a:t>
             </a:fld>
             <a:endParaRPr lang="en-US" dirty="0"/>
           </a:p>
@@ -19568,6 +19587,7 @@
           <a:p>
             <a:fld id="{4FAB73BC-B049-4115-A692-8D63A059BFB8}" type="slidenum">
               <a:rPr lang="en-US" dirty="0"/>
+              <a:pPr/>
               <a:t>‹#›</a:t>
             </a:fld>
             <a:endParaRPr lang="en-US" dirty="0"/>
@@ -19801,7 +19821,8 @@
           <a:p>
             <a:fld id="{C7616CA0-919D-4A49-9C8A-62FDFB3A5183}" type="datetimeFigureOut">
               <a:rPr lang="en-US" dirty="0"/>
-              <a:t>3/23/18</a:t>
+              <a:pPr/>
+              <a:t>5/5/2019</a:t>
             </a:fld>
             <a:endParaRPr lang="en-US" dirty="0"/>
           </a:p>
@@ -19843,6 +19864,7 @@
           <a:p>
             <a:fld id="{867E5644-1E61-4311-A31E-84CB9C7AA8A9}" type="slidenum">
               <a:rPr lang="en-US" dirty="0"/>
+              <a:pPr/>
               <a:t>‹#›</a:t>
             </a:fld>
             <a:endParaRPr lang="en-US" dirty="0"/>
@@ -20047,7 +20069,7 @@
             <a:fld id="{90298CD5-6C1E-4009-B41F-6DF62E31D3BE}" type="datetimeFigureOut">
               <a:rPr lang="en-US" dirty="0"/>
               <a:pPr/>
-              <a:t>3/23/18</a:t>
+              <a:t>5/5/2019</a:t>
             </a:fld>
             <a:endParaRPr lang="en-US" dirty="0"/>
           </a:p>
@@ -20550,7 +20572,7 @@
           <p:cNvPr id="2" name="標題 1">
             <a:extLst>
               <a:ext uri="{FF2B5EF4-FFF2-40B4-BE49-F238E27FC236}">
-                <a16:creationId xmlns:a16="http://schemas.microsoft.com/office/drawing/2014/main" id="{C3F9B7E1-74BF-3C42-B00F-8B2587FF4B8D}"/>
+                <a16:creationId xmlns:a16="http://schemas.microsoft.com/office/drawing/2014/main" xmlns="" id="{C3F9B7E1-74BF-3C42-B00F-8B2587FF4B8D}"/>
               </a:ext>
             </a:extLst>
           </p:cNvPr>
@@ -20579,7 +20601,7 @@
           <p:cNvPr id="3" name="副標題 2">
             <a:extLst>
               <a:ext uri="{FF2B5EF4-FFF2-40B4-BE49-F238E27FC236}">
-                <a16:creationId xmlns:a16="http://schemas.microsoft.com/office/drawing/2014/main" id="{B91D9F98-1A85-094F-9C0B-895D5D891DAC}"/>
+                <a16:creationId xmlns:a16="http://schemas.microsoft.com/office/drawing/2014/main" xmlns="" id="{B91D9F98-1A85-094F-9C0B-895D5D891DAC}"/>
               </a:ext>
             </a:extLst>
           </p:cNvPr>
@@ -20606,7 +20628,7 @@
     </p:spTree>
     <p:extLst>
       <p:ext uri="{BB962C8B-B14F-4D97-AF65-F5344CB8AC3E}">
-        <p14:creationId xmlns:p14="http://schemas.microsoft.com/office/powerpoint/2010/main" val="1053615837"/>
+        <p14:creationId xmlns:p14="http://schemas.microsoft.com/office/powerpoint/2010/main" xmlns="" val="1053615837"/>
       </p:ext>
     </p:extLst>
   </p:cSld>
@@ -20638,7 +20660,7 @@
           <p:cNvPr id="2" name="標題 1">
             <a:extLst>
               <a:ext uri="{FF2B5EF4-FFF2-40B4-BE49-F238E27FC236}">
-                <a16:creationId xmlns:a16="http://schemas.microsoft.com/office/drawing/2014/main" id="{1A7E6E37-81D0-3247-A366-FD170AD1C9E9}"/>
+                <a16:creationId xmlns:a16="http://schemas.microsoft.com/office/drawing/2014/main" xmlns="" id="{1A7E6E37-81D0-3247-A366-FD170AD1C9E9}"/>
               </a:ext>
             </a:extLst>
           </p:cNvPr>
@@ -20667,7 +20689,7 @@
           <p:cNvPr id="3" name="內容版面配置區 2">
             <a:extLst>
               <a:ext uri="{FF2B5EF4-FFF2-40B4-BE49-F238E27FC236}">
-                <a16:creationId xmlns:a16="http://schemas.microsoft.com/office/drawing/2014/main" id="{048DE3BB-55E7-5C44-92D5-312658CDA574}"/>
+                <a16:creationId xmlns:a16="http://schemas.microsoft.com/office/drawing/2014/main" xmlns="" id="{048DE3BB-55E7-5C44-92D5-312658CDA574}"/>
               </a:ext>
             </a:extLst>
           </p:cNvPr>
@@ -20781,7 +20803,7 @@
     </p:spTree>
     <p:extLst>
       <p:ext uri="{BB962C8B-B14F-4D97-AF65-F5344CB8AC3E}">
-        <p14:creationId xmlns:p14="http://schemas.microsoft.com/office/powerpoint/2010/main" val="4038182465"/>
+        <p14:creationId xmlns:p14="http://schemas.microsoft.com/office/powerpoint/2010/main" xmlns="" val="4038182465"/>
       </p:ext>
     </p:extLst>
   </p:cSld>
@@ -20813,7 +20835,7 @@
           <p:cNvPr id="2" name="標題 1">
             <a:extLst>
               <a:ext uri="{FF2B5EF4-FFF2-40B4-BE49-F238E27FC236}">
-                <a16:creationId xmlns:a16="http://schemas.microsoft.com/office/drawing/2014/main" id="{AB5C78D3-5A07-9E40-8569-31B5E8A71519}"/>
+                <a16:creationId xmlns:a16="http://schemas.microsoft.com/office/drawing/2014/main" xmlns="" id="{AB5C78D3-5A07-9E40-8569-31B5E8A71519}"/>
               </a:ext>
             </a:extLst>
           </p:cNvPr>
@@ -20830,8 +20852,12 @@
           <a:lstStyle/>
           <a:p>
             <a:r>
-              <a:rPr kumimoji="1" lang="en-US" altLang="zh-TW" dirty="0" err="1"/>
-              <a:t>innodb</a:t>
+              <a:rPr kumimoji="1" lang="en-US" altLang="zh-TW" dirty="0" err="1" smtClean="0"/>
+              <a:t>Innodb</a:t>
+            </a:r>
+            <a:r>
+              <a:rPr kumimoji="1" lang="en-US" altLang="zh-TW" dirty="0" smtClean="0"/>
+              <a:t> </a:t>
             </a:r>
             <a:endParaRPr kumimoji="1" lang="zh-TW" altLang="en-US" dirty="0"/>
           </a:p>
@@ -20842,7 +20868,7 @@
           <p:cNvPr id="3" name="內容版面配置區 2">
             <a:extLst>
               <a:ext uri="{FF2B5EF4-FFF2-40B4-BE49-F238E27FC236}">
-                <a16:creationId xmlns:a16="http://schemas.microsoft.com/office/drawing/2014/main" id="{4C00FF75-DE0F-E34E-A0BA-B0EBA18F9C5C}"/>
+                <a16:creationId xmlns:a16="http://schemas.microsoft.com/office/drawing/2014/main" xmlns="" id="{4C00FF75-DE0F-E34E-A0BA-B0EBA18F9C5C}"/>
               </a:ext>
             </a:extLst>
           </p:cNvPr>
@@ -20965,7 +20991,7 @@
               <a:t>*</a:t>
             </a:r>
             <a:r>
-              <a:rPr kumimoji="1" lang="zh-Hant" altLang="en-US"/>
+              <a:rPr kumimoji="1" lang="zh-Hant" altLang="en-US" dirty="0"/>
               <a:t>：交易記錄</a:t>
             </a:r>
             <a:endParaRPr kumimoji="1" lang="en-US" altLang="zh-Hant" dirty="0"/>
@@ -21000,7 +21026,7 @@
     </p:spTree>
     <p:extLst>
       <p:ext uri="{BB962C8B-B14F-4D97-AF65-F5344CB8AC3E}">
-        <p14:creationId xmlns:p14="http://schemas.microsoft.com/office/powerpoint/2010/main" val="2563683937"/>
+        <p14:creationId xmlns:p14="http://schemas.microsoft.com/office/powerpoint/2010/main" xmlns="" val="2563683937"/>
       </p:ext>
     </p:extLst>
   </p:cSld>
@@ -21032,7 +21058,7 @@
           <p:cNvPr id="2" name="標題 1">
             <a:extLst>
               <a:ext uri="{FF2B5EF4-FFF2-40B4-BE49-F238E27FC236}">
-                <a16:creationId xmlns:a16="http://schemas.microsoft.com/office/drawing/2014/main" id="{7082CFC5-5B79-164F-B02C-51C9378403B2}"/>
+                <a16:creationId xmlns:a16="http://schemas.microsoft.com/office/drawing/2014/main" xmlns="" id="{7082CFC5-5B79-164F-B02C-51C9378403B2}"/>
               </a:ext>
             </a:extLst>
           </p:cNvPr>
@@ -21061,7 +21087,7 @@
           <p:cNvPr id="3" name="內容版面配置區 2">
             <a:extLst>
               <a:ext uri="{FF2B5EF4-FFF2-40B4-BE49-F238E27FC236}">
-                <a16:creationId xmlns:a16="http://schemas.microsoft.com/office/drawing/2014/main" id="{FA31B8D9-5934-604B-9B08-5300BB850C40}"/>
+                <a16:creationId xmlns:a16="http://schemas.microsoft.com/office/drawing/2014/main" xmlns="" id="{FA31B8D9-5934-604B-9B08-5300BB850C40}"/>
               </a:ext>
             </a:extLst>
           </p:cNvPr>
@@ -21134,7 +21160,7 @@
     </p:spTree>
     <p:extLst>
       <p:ext uri="{BB962C8B-B14F-4D97-AF65-F5344CB8AC3E}">
-        <p14:creationId xmlns:p14="http://schemas.microsoft.com/office/powerpoint/2010/main" val="1558339704"/>
+        <p14:creationId xmlns:p14="http://schemas.microsoft.com/office/powerpoint/2010/main" xmlns="" val="1558339704"/>
       </p:ext>
     </p:extLst>
   </p:cSld>
@@ -21166,7 +21192,7 @@
           <p:cNvPr id="2" name="標題 1">
             <a:extLst>
               <a:ext uri="{FF2B5EF4-FFF2-40B4-BE49-F238E27FC236}">
-                <a16:creationId xmlns:a16="http://schemas.microsoft.com/office/drawing/2014/main" id="{86CC6359-DA60-7E44-9925-9D7FA8D9E625}"/>
+                <a16:creationId xmlns:a16="http://schemas.microsoft.com/office/drawing/2014/main" xmlns="" id="{86CC6359-DA60-7E44-9925-9D7FA8D9E625}"/>
               </a:ext>
             </a:extLst>
           </p:cNvPr>
@@ -21195,7 +21221,7 @@
           <p:cNvPr id="5" name="圖片 4">
             <a:extLst>
               <a:ext uri="{FF2B5EF4-FFF2-40B4-BE49-F238E27FC236}">
-                <a16:creationId xmlns:a16="http://schemas.microsoft.com/office/drawing/2014/main" id="{11DA94F4-17F8-4B49-827A-70FD17D7AFE7}"/>
+                <a16:creationId xmlns:a16="http://schemas.microsoft.com/office/drawing/2014/main" xmlns="" id="{11DA94F4-17F8-4B49-827A-70FD17D7AFE7}"/>
               </a:ext>
             </a:extLst>
           </p:cNvPr>
@@ -21222,7 +21248,7 @@
     </p:spTree>
     <p:extLst>
       <p:ext uri="{BB962C8B-B14F-4D97-AF65-F5344CB8AC3E}">
-        <p14:creationId xmlns:p14="http://schemas.microsoft.com/office/powerpoint/2010/main" val="286088433"/>
+        <p14:creationId xmlns:p14="http://schemas.microsoft.com/office/powerpoint/2010/main" xmlns="" val="286088433"/>
       </p:ext>
     </p:extLst>
   </p:cSld>
@@ -21254,7 +21280,7 @@
           <p:cNvPr id="2" name="標題 1">
             <a:extLst>
               <a:ext uri="{FF2B5EF4-FFF2-40B4-BE49-F238E27FC236}">
-                <a16:creationId xmlns:a16="http://schemas.microsoft.com/office/drawing/2014/main" id="{A052751A-E429-F842-92C1-A5FCED826F3E}"/>
+                <a16:creationId xmlns:a16="http://schemas.microsoft.com/office/drawing/2014/main" xmlns="" id="{A052751A-E429-F842-92C1-A5FCED826F3E}"/>
               </a:ext>
             </a:extLst>
           </p:cNvPr>
@@ -21283,7 +21309,7 @@
           <p:cNvPr id="3" name="內容版面配置區 2">
             <a:extLst>
               <a:ext uri="{FF2B5EF4-FFF2-40B4-BE49-F238E27FC236}">
-                <a16:creationId xmlns:a16="http://schemas.microsoft.com/office/drawing/2014/main" id="{E866931D-E4E6-234D-93DD-47238CFE3274}"/>
+                <a16:creationId xmlns:a16="http://schemas.microsoft.com/office/drawing/2014/main" xmlns="" id="{E866931D-E4E6-234D-93DD-47238CFE3274}"/>
               </a:ext>
             </a:extLst>
           </p:cNvPr>
@@ -21337,6 +21363,10 @@
               <a:rPr kumimoji="1" lang="en-US" altLang="zh-TW" dirty="0" err="1"/>
               <a:t>int</a:t>
             </a:r>
+            <a:r>
+              <a:rPr kumimoji="1" lang="en-US" altLang="zh-TW" dirty="0"/>
+              <a:t/>
+            </a:r>
             <a:br>
               <a:rPr kumimoji="1" lang="en-US" altLang="zh-TW" dirty="0"/>
             </a:br>
@@ -21372,7 +21402,7 @@
           <p:cNvPr id="4" name="圓角矩形圖說文字 3">
             <a:extLst>
               <a:ext uri="{FF2B5EF4-FFF2-40B4-BE49-F238E27FC236}">
-                <a16:creationId xmlns:a16="http://schemas.microsoft.com/office/drawing/2014/main" id="{EFE33CCE-D762-D944-A242-9D544487E7E6}"/>
+                <a16:creationId xmlns:a16="http://schemas.microsoft.com/office/drawing/2014/main" xmlns="" id="{EFE33CCE-D762-D944-A242-9D544487E7E6}"/>
               </a:ext>
             </a:extLst>
           </p:cNvPr>
@@ -21444,7 +21474,7 @@
     </p:spTree>
     <p:extLst>
       <p:ext uri="{BB962C8B-B14F-4D97-AF65-F5344CB8AC3E}">
-        <p14:creationId xmlns:p14="http://schemas.microsoft.com/office/powerpoint/2010/main" val="917843658"/>
+        <p14:creationId xmlns:p14="http://schemas.microsoft.com/office/powerpoint/2010/main" xmlns="" val="917843658"/>
       </p:ext>
     </p:extLst>
   </p:cSld>
@@ -21476,7 +21506,7 @@
           <p:cNvPr id="2" name="標題 1">
             <a:extLst>
               <a:ext uri="{FF2B5EF4-FFF2-40B4-BE49-F238E27FC236}">
-                <a16:creationId xmlns:a16="http://schemas.microsoft.com/office/drawing/2014/main" id="{42C62D68-BAB8-8645-98A5-3E232B3C4B46}"/>
+                <a16:creationId xmlns:a16="http://schemas.microsoft.com/office/drawing/2014/main" xmlns="" id="{42C62D68-BAB8-8645-98A5-3E232B3C4B46}"/>
               </a:ext>
             </a:extLst>
           </p:cNvPr>
@@ -21505,7 +21535,7 @@
           <p:cNvPr id="3" name="內容版面配置區 2">
             <a:extLst>
               <a:ext uri="{FF2B5EF4-FFF2-40B4-BE49-F238E27FC236}">
-                <a16:creationId xmlns:a16="http://schemas.microsoft.com/office/drawing/2014/main" id="{6459682F-731E-A646-8233-D69102E09B37}"/>
+                <a16:creationId xmlns:a16="http://schemas.microsoft.com/office/drawing/2014/main" xmlns="" id="{6459682F-731E-A646-8233-D69102E09B37}"/>
               </a:ext>
             </a:extLst>
           </p:cNvPr>
@@ -21568,7 +21598,7 @@
     </p:spTree>
     <p:extLst>
       <p:ext uri="{BB962C8B-B14F-4D97-AF65-F5344CB8AC3E}">
-        <p14:creationId xmlns:p14="http://schemas.microsoft.com/office/powerpoint/2010/main" val="385729446"/>
+        <p14:creationId xmlns:p14="http://schemas.microsoft.com/office/powerpoint/2010/main" xmlns="" val="385729446"/>
       </p:ext>
     </p:extLst>
   </p:cSld>
@@ -21621,7 +21651,7 @@
     </a:clrScheme>
     <a:fontScheme name="Integral">
       <a:majorFont>
-        <a:latin typeface="Tw Cen MT Condensed" panose="020B0606020104020203"/>
+        <a:latin typeface="Tw Cen MT Condensed"/>
         <a:ea typeface=""/>
         <a:cs typeface=""/>
         <a:font script="Grek" typeface="Calibri"/>
@@ -21658,7 +21688,7 @@
         <a:font script="Geor" typeface="Sylfaen"/>
       </a:majorFont>
       <a:minorFont>
-        <a:latin typeface="Tw Cen MT" panose="020B0602020104020603"/>
+        <a:latin typeface="Tw Cen MT"/>
         <a:ea typeface=""/>
         <a:cs typeface=""/>
         <a:font script="Grek" typeface="Calibri"/>
@@ -21840,7 +21870,7 @@
   <a:extraClrSchemeLst/>
   <a:extLst>
     <a:ext uri="{05A4C25C-085E-4340-85A3-A5531E510DB2}">
-      <thm15:themeFamily xmlns:thm15="http://schemas.microsoft.com/office/thememl/2012/main" name="Integral" id="{3577F8C9-A904-41D8-97D2-FD898F53F20E}" vid="{682D6EBE-8D36-4FF2-9DB3-F3D8D7B6715D}"/>
+      <thm15:themeFamily xmlns:thm15="http://schemas.microsoft.com/office/thememl/2012/main" xmlns="" name="Integral" id="{3577F8C9-A904-41D8-97D2-FD898F53F20E}" vid="{682D6EBE-8D36-4FF2-9DB3-F3D8D7B6715D}"/>
     </a:ext>
   </a:extLst>
 </a:theme>
